--- a/server/uploads/test.pptx
+++ b/server/uploads/test.pptx
@@ -267,7 +267,7 @@
           <a:p>
             <a:fld id="{94463C9C-F912-4252-8C2D-08E20751123F}" type="datetimeFigureOut">
               <a:rPr lang="he-IL" smtClean="0"/>
-              <a:t>י"ז/אייר/תשפ"ב</a:t>
+              <a:t>י"ט/אייר/תשפ"ב</a:t>
             </a:fld>
             <a:endParaRPr lang="he-IL" dirty="0"/>
           </a:p>
@@ -467,7 +467,7 @@
           <a:p>
             <a:fld id="{94463C9C-F912-4252-8C2D-08E20751123F}" type="datetimeFigureOut">
               <a:rPr lang="he-IL" smtClean="0"/>
-              <a:t>י"ז/אייר/תשפ"ב</a:t>
+              <a:t>י"ט/אייר/תשפ"ב</a:t>
             </a:fld>
             <a:endParaRPr lang="he-IL" dirty="0"/>
           </a:p>
@@ -677,7 +677,7 @@
           <a:p>
             <a:fld id="{94463C9C-F912-4252-8C2D-08E20751123F}" type="datetimeFigureOut">
               <a:rPr lang="he-IL" smtClean="0"/>
-              <a:t>י"ז/אייר/תשפ"ב</a:t>
+              <a:t>י"ט/אייר/תשפ"ב</a:t>
             </a:fld>
             <a:endParaRPr lang="he-IL" dirty="0"/>
           </a:p>
@@ -877,7 +877,7 @@
           <a:p>
             <a:fld id="{94463C9C-F912-4252-8C2D-08E20751123F}" type="datetimeFigureOut">
               <a:rPr lang="he-IL" smtClean="0"/>
-              <a:t>י"ז/אייר/תשפ"ב</a:t>
+              <a:t>י"ט/אייר/תשפ"ב</a:t>
             </a:fld>
             <a:endParaRPr lang="he-IL" dirty="0"/>
           </a:p>
@@ -1153,7 +1153,7 @@
           <a:p>
             <a:fld id="{94463C9C-F912-4252-8C2D-08E20751123F}" type="datetimeFigureOut">
               <a:rPr lang="he-IL" smtClean="0"/>
-              <a:t>י"ז/אייר/תשפ"ב</a:t>
+              <a:t>י"ט/אייר/תשפ"ב</a:t>
             </a:fld>
             <a:endParaRPr lang="he-IL" dirty="0"/>
           </a:p>
@@ -1421,7 +1421,7 @@
           <a:p>
             <a:fld id="{94463C9C-F912-4252-8C2D-08E20751123F}" type="datetimeFigureOut">
               <a:rPr lang="he-IL" smtClean="0"/>
-              <a:t>י"ז/אייר/תשפ"ב</a:t>
+              <a:t>י"ט/אייר/תשפ"ב</a:t>
             </a:fld>
             <a:endParaRPr lang="he-IL" dirty="0"/>
           </a:p>
@@ -1836,7 +1836,7 @@
           <a:p>
             <a:fld id="{94463C9C-F912-4252-8C2D-08E20751123F}" type="datetimeFigureOut">
               <a:rPr lang="he-IL" smtClean="0"/>
-              <a:t>י"ז/אייר/תשפ"ב</a:t>
+              <a:t>י"ט/אייר/תשפ"ב</a:t>
             </a:fld>
             <a:endParaRPr lang="he-IL" dirty="0"/>
           </a:p>
@@ -1978,7 +1978,7 @@
           <a:p>
             <a:fld id="{94463C9C-F912-4252-8C2D-08E20751123F}" type="datetimeFigureOut">
               <a:rPr lang="he-IL" smtClean="0"/>
-              <a:t>י"ז/אייר/תשפ"ב</a:t>
+              <a:t>י"ט/אייר/תשפ"ב</a:t>
             </a:fld>
             <a:endParaRPr lang="he-IL" dirty="0"/>
           </a:p>
@@ -2091,7 +2091,7 @@
           <a:p>
             <a:fld id="{94463C9C-F912-4252-8C2D-08E20751123F}" type="datetimeFigureOut">
               <a:rPr lang="he-IL" smtClean="0"/>
-              <a:t>י"ז/אייר/תשפ"ב</a:t>
+              <a:t>י"ט/אייר/תשפ"ב</a:t>
             </a:fld>
             <a:endParaRPr lang="he-IL" dirty="0"/>
           </a:p>
@@ -2404,7 +2404,7 @@
           <a:p>
             <a:fld id="{94463C9C-F912-4252-8C2D-08E20751123F}" type="datetimeFigureOut">
               <a:rPr lang="he-IL" smtClean="0"/>
-              <a:t>י"ז/אייר/תשפ"ב</a:t>
+              <a:t>י"ט/אייר/תשפ"ב</a:t>
             </a:fld>
             <a:endParaRPr lang="he-IL" dirty="0"/>
           </a:p>
@@ -2693,7 +2693,7 @@
           <a:p>
             <a:fld id="{94463C9C-F912-4252-8C2D-08E20751123F}" type="datetimeFigureOut">
               <a:rPr lang="he-IL" smtClean="0"/>
-              <a:t>י"ז/אייר/תשפ"ב</a:t>
+              <a:t>י"ט/אייר/תשפ"ב</a:t>
             </a:fld>
             <a:endParaRPr lang="he-IL" dirty="0"/>
           </a:p>
@@ -2939,7 +2939,7 @@
           <a:p>
             <a:fld id="{94463C9C-F912-4252-8C2D-08E20751123F}" type="datetimeFigureOut">
               <a:rPr lang="he-IL" smtClean="0"/>
-              <a:t>י"ז/אייר/תשפ"ב</a:t>
+              <a:t>י"ט/אייר/תשפ"ב</a:t>
             </a:fld>
             <a:endParaRPr lang="he-IL" dirty="0"/>
           </a:p>
@@ -4090,7 +4090,7 @@
                   <a:srgbClr val="0070C0"/>
                 </a:solidFill>
               </a:rPr>
-              <a:t>Definitions [1]</a:t>
+              <a:t>Definitions</a:t>
             </a:r>
             <a:endParaRPr lang="he-IL" b="1" dirty="0">
               <a:solidFill>
@@ -4231,7 +4231,7 @@
                   <a:srgbClr val="0070C0"/>
                 </a:solidFill>
               </a:rPr>
-              <a:t>Definitions  [2]</a:t>
+              <a:t>Definitions</a:t>
             </a:r>
             <a:endParaRPr lang="he-IL" b="1" dirty="0">
               <a:solidFill>
@@ -4303,36 +4303,6 @@
           </a:p>
         </p:txBody>
       </p:sp>
-      <p:pic>
-        <p:nvPicPr>
-          <p:cNvPr id="8" name="Picture 7">
-            <a:extLst>
-              <a:ext uri="{FF2B5EF4-FFF2-40B4-BE49-F238E27FC236}">
-                <a16:creationId xmlns:a16="http://schemas.microsoft.com/office/drawing/2014/main" id="{CA74C8DC-A474-4997-9067-672610080066}"/>
-              </a:ext>
-            </a:extLst>
-          </p:cNvPr>
-          <p:cNvPicPr>
-            <a:picLocks noChangeAspect="1"/>
-          </p:cNvPicPr>
-          <p:nvPr/>
-        </p:nvPicPr>
-        <p:blipFill>
-          <a:blip r:embed="rId2"/>
-          <a:stretch>
-            <a:fillRect/>
-          </a:stretch>
-        </p:blipFill>
-        <p:spPr>
-          <a:xfrm>
-            <a:off x="9116455" y="4485706"/>
-            <a:ext cx="2509065" cy="1881799"/>
-          </a:xfrm>
-          <a:prstGeom prst="rect">
-            <a:avLst/>
-          </a:prstGeom>
-        </p:spPr>
-      </p:pic>
     </p:spTree>
     <p:extLst>
       <p:ext uri="{BB962C8B-B14F-4D97-AF65-F5344CB8AC3E}">
